--- a/Eindpresentatie Examenproject (amsolved).pptx
+++ b/Eindpresentatie Examenproject (amsolved).pptx
@@ -178,7 +178,7 @@
           <a:noFill/>
           <a:extLst>
             <a:ext uri="{909E8E84-426E-40dd-AFC4-6F175D3DCCD1}">
-              <a14:hiddenFill xmlns:a14="http://schemas.microsoft.com/office/drawing/2010/main" xmlns="">
+              <a14:hiddenFill xmlns="" xmlns:a14="http://schemas.microsoft.com/office/drawing/2010/main">
                 <a:solidFill>
                   <a:srgbClr val="FFFFFF"/>
                 </a:solidFill>
@@ -238,7 +238,7 @@
             </a:ln>
             <a:extLst>
               <a:ext uri="{91240B29-F687-4f45-9708-019B960494DF}">
-                <a14:hiddenLine xmlns:a14="http://schemas.microsoft.com/office/drawing/2010/main" xmlns="" w="9525">
+                <a14:hiddenLine xmlns="" xmlns:a14="http://schemas.microsoft.com/office/drawing/2010/main" w="9525">
                   <a:solidFill>
                     <a:srgbClr val="000000"/>
                   </a:solidFill>
@@ -328,7 +328,7 @@
             </a:ln>
             <a:extLst>
               <a:ext uri="{91240B29-F687-4f45-9708-019B960494DF}">
-                <a14:hiddenLine xmlns:a14="http://schemas.microsoft.com/office/drawing/2010/main" xmlns="" w="9525">
+                <a14:hiddenLine xmlns="" xmlns:a14="http://schemas.microsoft.com/office/drawing/2010/main" w="9525">
                   <a:solidFill>
                     <a:srgbClr val="000000"/>
                   </a:solidFill>
@@ -418,7 +418,7 @@
             </a:ln>
             <a:extLst>
               <a:ext uri="{91240B29-F687-4f45-9708-019B960494DF}">
-                <a14:hiddenLine xmlns:a14="http://schemas.microsoft.com/office/drawing/2010/main" xmlns="" w="9525">
+                <a14:hiddenLine xmlns="" xmlns:a14="http://schemas.microsoft.com/office/drawing/2010/main" w="9525">
                   <a:solidFill>
                     <a:srgbClr val="000000"/>
                   </a:solidFill>
@@ -452,7 +452,7 @@
             </a:ln>
             <a:extLst>
               <a:ext uri="{91240B29-F687-4f45-9708-019B960494DF}">
-                <a14:hiddenLine xmlns:a14="http://schemas.microsoft.com/office/drawing/2010/main" xmlns="" w="9525">
+                <a14:hiddenLine xmlns="" xmlns:a14="http://schemas.microsoft.com/office/drawing/2010/main" w="9525">
                   <a:solidFill>
                     <a:srgbClr val="000000"/>
                   </a:solidFill>
@@ -542,7 +542,7 @@
             </a:ln>
             <a:extLst>
               <a:ext uri="{91240B29-F687-4f45-9708-019B960494DF}">
-                <a14:hiddenLine xmlns:a14="http://schemas.microsoft.com/office/drawing/2010/main" xmlns="" w="9525">
+                <a14:hiddenLine xmlns="" xmlns:a14="http://schemas.microsoft.com/office/drawing/2010/main" w="9525">
                   <a:solidFill>
                     <a:srgbClr val="000000"/>
                   </a:solidFill>
@@ -604,7 +604,7 @@
             </a:ln>
             <a:extLst>
               <a:ext uri="{91240B29-F687-4f45-9708-019B960494DF}">
-                <a14:hiddenLine xmlns:a14="http://schemas.microsoft.com/office/drawing/2010/main" xmlns="" w="9525">
+                <a14:hiddenLine xmlns="" xmlns:a14="http://schemas.microsoft.com/office/drawing/2010/main" w="9525">
                   <a:solidFill>
                     <a:srgbClr val="000000"/>
                   </a:solidFill>
@@ -666,7 +666,7 @@
             </a:ln>
             <a:extLst>
               <a:ext uri="{91240B29-F687-4f45-9708-019B960494DF}">
-                <a14:hiddenLine xmlns:a14="http://schemas.microsoft.com/office/drawing/2010/main" xmlns="" w="9525">
+                <a14:hiddenLine xmlns="" xmlns:a14="http://schemas.microsoft.com/office/drawing/2010/main" w="9525">
                   <a:solidFill>
                     <a:srgbClr val="000000"/>
                   </a:solidFill>
@@ -756,7 +756,7 @@
             </a:ln>
             <a:extLst>
               <a:ext uri="{91240B29-F687-4f45-9708-019B960494DF}">
-                <a14:hiddenLine xmlns:a14="http://schemas.microsoft.com/office/drawing/2010/main" xmlns="" w="9525">
+                <a14:hiddenLine xmlns="" xmlns:a14="http://schemas.microsoft.com/office/drawing/2010/main" w="9525">
                   <a:solidFill>
                     <a:srgbClr val="000000"/>
                   </a:solidFill>
@@ -818,7 +818,7 @@
             </a:ln>
             <a:extLst>
               <a:ext uri="{91240B29-F687-4f45-9708-019B960494DF}">
-                <a14:hiddenLine xmlns:a14="http://schemas.microsoft.com/office/drawing/2010/main" xmlns="" w="9525">
+                <a14:hiddenLine xmlns="" xmlns:a14="http://schemas.microsoft.com/office/drawing/2010/main" w="9525">
                   <a:solidFill>
                     <a:srgbClr val="000000"/>
                   </a:solidFill>
@@ -880,7 +880,7 @@
             </a:ln>
             <a:extLst>
               <a:ext uri="{91240B29-F687-4f45-9708-019B960494DF}">
-                <a14:hiddenLine xmlns:a14="http://schemas.microsoft.com/office/drawing/2010/main" xmlns="" w="9525">
+                <a14:hiddenLine xmlns="" xmlns:a14="http://schemas.microsoft.com/office/drawing/2010/main" w="9525">
                   <a:solidFill>
                     <a:srgbClr val="000000"/>
                   </a:solidFill>
@@ -970,7 +970,7 @@
             </a:ln>
             <a:extLst>
               <a:ext uri="{91240B29-F687-4f45-9708-019B960494DF}">
-                <a14:hiddenLine xmlns:a14="http://schemas.microsoft.com/office/drawing/2010/main" xmlns="" w="9525">
+                <a14:hiddenLine xmlns="" xmlns:a14="http://schemas.microsoft.com/office/drawing/2010/main" w="9525">
                   <a:solidFill>
                     <a:srgbClr val="000000"/>
                   </a:solidFill>
@@ -1060,7 +1060,7 @@
             </a:ln>
             <a:extLst>
               <a:ext uri="{91240B29-F687-4f45-9708-019B960494DF}">
-                <a14:hiddenLine xmlns:a14="http://schemas.microsoft.com/office/drawing/2010/main" xmlns="" w="9525">
+                <a14:hiddenLine xmlns="" xmlns:a14="http://schemas.microsoft.com/office/drawing/2010/main" w="9525">
                   <a:solidFill>
                     <a:srgbClr val="000000"/>
                   </a:solidFill>
@@ -1122,7 +1122,7 @@
             </a:ln>
             <a:extLst>
               <a:ext uri="{91240B29-F687-4f45-9708-019B960494DF}">
-                <a14:hiddenLine xmlns:a14="http://schemas.microsoft.com/office/drawing/2010/main" xmlns="" w="9525">
+                <a14:hiddenLine xmlns="" xmlns:a14="http://schemas.microsoft.com/office/drawing/2010/main" w="9525">
                   <a:solidFill>
                     <a:srgbClr val="000000"/>
                   </a:solidFill>
@@ -1232,7 +1232,7 @@
             </a:ln>
             <a:extLst>
               <a:ext uri="{91240B29-F687-4f45-9708-019B960494DF}">
-                <a14:hiddenLine xmlns:a14="http://schemas.microsoft.com/office/drawing/2010/main" xmlns="" w="9525">
+                <a14:hiddenLine xmlns="" xmlns:a14="http://schemas.microsoft.com/office/drawing/2010/main" w="9525">
                   <a:solidFill>
                     <a:srgbClr val="000000"/>
                   </a:solidFill>
@@ -1294,7 +1294,7 @@
             </a:ln>
             <a:extLst>
               <a:ext uri="{91240B29-F687-4f45-9708-019B960494DF}">
-                <a14:hiddenLine xmlns:a14="http://schemas.microsoft.com/office/drawing/2010/main" xmlns="" w="9525">
+                <a14:hiddenLine xmlns="" xmlns:a14="http://schemas.microsoft.com/office/drawing/2010/main" w="9525">
                   <a:solidFill>
                     <a:srgbClr val="000000"/>
                   </a:solidFill>
@@ -1384,7 +1384,7 @@
             </a:ln>
             <a:extLst>
               <a:ext uri="{91240B29-F687-4f45-9708-019B960494DF}">
-                <a14:hiddenLine xmlns:a14="http://schemas.microsoft.com/office/drawing/2010/main" xmlns="" w="9525">
+                <a14:hiddenLine xmlns="" xmlns:a14="http://schemas.microsoft.com/office/drawing/2010/main" w="9525">
                   <a:solidFill>
                     <a:srgbClr val="000000"/>
                   </a:solidFill>
@@ -1474,7 +1474,7 @@
             </a:ln>
             <a:extLst>
               <a:ext uri="{91240B29-F687-4f45-9708-019B960494DF}">
-                <a14:hiddenLine xmlns:a14="http://schemas.microsoft.com/office/drawing/2010/main" xmlns="" w="9525">
+                <a14:hiddenLine xmlns="" xmlns:a14="http://schemas.microsoft.com/office/drawing/2010/main" w="9525">
                   <a:solidFill>
                     <a:srgbClr val="000000"/>
                   </a:solidFill>
@@ -1536,7 +1536,7 @@
             </a:ln>
             <a:extLst>
               <a:ext uri="{91240B29-F687-4f45-9708-019B960494DF}">
-                <a14:hiddenLine xmlns:a14="http://schemas.microsoft.com/office/drawing/2010/main" xmlns="" w="9525">
+                <a14:hiddenLine xmlns="" xmlns:a14="http://schemas.microsoft.com/office/drawing/2010/main" w="9525">
                   <a:solidFill>
                     <a:srgbClr val="000000"/>
                   </a:solidFill>
@@ -1626,7 +1626,7 @@
             </a:ln>
             <a:extLst>
               <a:ext uri="{91240B29-F687-4f45-9708-019B960494DF}">
-                <a14:hiddenLine xmlns:a14="http://schemas.microsoft.com/office/drawing/2010/main" xmlns="" w="9525">
+                <a14:hiddenLine xmlns="" xmlns:a14="http://schemas.microsoft.com/office/drawing/2010/main" w="9525">
                   <a:solidFill>
                     <a:srgbClr val="000000"/>
                   </a:solidFill>
@@ -1716,7 +1716,7 @@
             </a:ln>
             <a:extLst>
               <a:ext uri="{91240B29-F687-4f45-9708-019B960494DF}">
-                <a14:hiddenLine xmlns:a14="http://schemas.microsoft.com/office/drawing/2010/main" xmlns="" w="9525">
+                <a14:hiddenLine xmlns="" xmlns:a14="http://schemas.microsoft.com/office/drawing/2010/main" w="9525">
                   <a:solidFill>
                     <a:srgbClr val="000000"/>
                   </a:solidFill>
@@ -1772,7 +1772,7 @@
             </a:ln>
             <a:extLst>
               <a:ext uri="{91240B29-F687-4f45-9708-019B960494DF}">
-                <a14:hiddenLine xmlns:a14="http://schemas.microsoft.com/office/drawing/2010/main" xmlns="" w="9525">
+                <a14:hiddenLine xmlns="" xmlns:a14="http://schemas.microsoft.com/office/drawing/2010/main" w="9525">
                   <a:solidFill>
                     <a:srgbClr val="000000"/>
                   </a:solidFill>
@@ -1862,7 +1862,7 @@
             </a:ln>
             <a:extLst>
               <a:ext uri="{91240B29-F687-4f45-9708-019B960494DF}">
-                <a14:hiddenLine xmlns:a14="http://schemas.microsoft.com/office/drawing/2010/main" xmlns="" w="9525">
+                <a14:hiddenLine xmlns="" xmlns:a14="http://schemas.microsoft.com/office/drawing/2010/main" w="9525">
                   <a:solidFill>
                     <a:srgbClr val="000000"/>
                   </a:solidFill>
@@ -1918,7 +1918,7 @@
             </a:ln>
             <a:extLst>
               <a:ext uri="{91240B29-F687-4f45-9708-019B960494DF}">
-                <a14:hiddenLine xmlns:a14="http://schemas.microsoft.com/office/drawing/2010/main" xmlns="" w="9525">
+                <a14:hiddenLine xmlns="" xmlns:a14="http://schemas.microsoft.com/office/drawing/2010/main" w="9525">
                   <a:solidFill>
                     <a:srgbClr val="000000"/>
                   </a:solidFill>
@@ -2008,7 +2008,7 @@
             </a:ln>
             <a:extLst>
               <a:ext uri="{91240B29-F687-4f45-9708-019B960494DF}">
-                <a14:hiddenLine xmlns:a14="http://schemas.microsoft.com/office/drawing/2010/main" xmlns="" w="9525">
+                <a14:hiddenLine xmlns="" xmlns:a14="http://schemas.microsoft.com/office/drawing/2010/main" w="9525">
                   <a:solidFill>
                     <a:srgbClr val="000000"/>
                   </a:solidFill>
@@ -2076,7 +2076,7 @@
             </a:ln>
             <a:extLst>
               <a:ext uri="{91240B29-F687-4f45-9708-019B960494DF}">
-                <a14:hiddenLine xmlns:a14="http://schemas.microsoft.com/office/drawing/2010/main" xmlns="" w="9525">
+                <a14:hiddenLine xmlns="" xmlns:a14="http://schemas.microsoft.com/office/drawing/2010/main" w="9525">
                   <a:solidFill>
                     <a:srgbClr val="000000"/>
                   </a:solidFill>
@@ -2166,7 +2166,7 @@
             </a:ln>
             <a:extLst>
               <a:ext uri="{91240B29-F687-4f45-9708-019B960494DF}">
-                <a14:hiddenLine xmlns:a14="http://schemas.microsoft.com/office/drawing/2010/main" xmlns="" w="9525">
+                <a14:hiddenLine xmlns="" xmlns:a14="http://schemas.microsoft.com/office/drawing/2010/main" w="9525">
                   <a:solidFill>
                     <a:srgbClr val="000000"/>
                   </a:solidFill>
@@ -2234,7 +2234,7 @@
             </a:ln>
             <a:extLst>
               <a:ext uri="{91240B29-F687-4f45-9708-019B960494DF}">
-                <a14:hiddenLine xmlns:a14="http://schemas.microsoft.com/office/drawing/2010/main" xmlns="" w="9525">
+                <a14:hiddenLine xmlns="" xmlns:a14="http://schemas.microsoft.com/office/drawing/2010/main" w="9525">
                   <a:solidFill>
                     <a:srgbClr val="000000"/>
                   </a:solidFill>
@@ -2324,7 +2324,7 @@
             </a:ln>
             <a:extLst>
               <a:ext uri="{91240B29-F687-4f45-9708-019B960494DF}">
-                <a14:hiddenLine xmlns:a14="http://schemas.microsoft.com/office/drawing/2010/main" xmlns="" w="9525">
+                <a14:hiddenLine xmlns="" xmlns:a14="http://schemas.microsoft.com/office/drawing/2010/main" w="9525">
                   <a:solidFill>
                     <a:srgbClr val="000000"/>
                   </a:solidFill>
@@ -2358,7 +2358,7 @@
             </a:ln>
             <a:extLst>
               <a:ext uri="{91240B29-F687-4f45-9708-019B960494DF}">
-                <a14:hiddenLine xmlns:a14="http://schemas.microsoft.com/office/drawing/2010/main" xmlns="" w="9525">
+                <a14:hiddenLine xmlns="" xmlns:a14="http://schemas.microsoft.com/office/drawing/2010/main" w="9525">
                   <a:solidFill>
                     <a:srgbClr val="000000"/>
                   </a:solidFill>
@@ -2448,7 +2448,7 @@
             </a:ln>
             <a:extLst>
               <a:ext uri="{91240B29-F687-4f45-9708-019B960494DF}">
-                <a14:hiddenLine xmlns:a14="http://schemas.microsoft.com/office/drawing/2010/main" xmlns="" w="9525">
+                <a14:hiddenLine xmlns="" xmlns:a14="http://schemas.microsoft.com/office/drawing/2010/main" w="9525">
                   <a:solidFill>
                     <a:srgbClr val="000000"/>
                   </a:solidFill>
@@ -2510,7 +2510,7 @@
             </a:ln>
             <a:extLst>
               <a:ext uri="{91240B29-F687-4f45-9708-019B960494DF}">
-                <a14:hiddenLine xmlns:a14="http://schemas.microsoft.com/office/drawing/2010/main" xmlns="" w="9525">
+                <a14:hiddenLine xmlns="" xmlns:a14="http://schemas.microsoft.com/office/drawing/2010/main" w="9525">
                   <a:solidFill>
                     <a:srgbClr val="000000"/>
                   </a:solidFill>
@@ -2572,7 +2572,7 @@
             </a:ln>
             <a:extLst>
               <a:ext uri="{91240B29-F687-4f45-9708-019B960494DF}">
-                <a14:hiddenLine xmlns:a14="http://schemas.microsoft.com/office/drawing/2010/main" xmlns="" w="9525">
+                <a14:hiddenLine xmlns="" xmlns:a14="http://schemas.microsoft.com/office/drawing/2010/main" w="9525">
                   <a:solidFill>
                     <a:srgbClr val="000000"/>
                   </a:solidFill>
@@ -2662,7 +2662,7 @@
             </a:ln>
             <a:extLst>
               <a:ext uri="{91240B29-F687-4f45-9708-019B960494DF}">
-                <a14:hiddenLine xmlns:a14="http://schemas.microsoft.com/office/drawing/2010/main" xmlns="" w="9525">
+                <a14:hiddenLine xmlns="" xmlns:a14="http://schemas.microsoft.com/office/drawing/2010/main" w="9525">
                   <a:solidFill>
                     <a:srgbClr val="000000"/>
                   </a:solidFill>
@@ -2730,7 +2730,7 @@
             </a:ln>
             <a:extLst>
               <a:ext uri="{91240B29-F687-4f45-9708-019B960494DF}">
-                <a14:hiddenLine xmlns:a14="http://schemas.microsoft.com/office/drawing/2010/main" xmlns="" w="9525">
+                <a14:hiddenLine xmlns="" xmlns:a14="http://schemas.microsoft.com/office/drawing/2010/main" w="9525">
                   <a:solidFill>
                     <a:srgbClr val="000000"/>
                   </a:solidFill>
@@ -2792,7 +2792,7 @@
             </a:ln>
             <a:extLst>
               <a:ext uri="{91240B29-F687-4f45-9708-019B960494DF}">
-                <a14:hiddenLine xmlns:a14="http://schemas.microsoft.com/office/drawing/2010/main" xmlns="" w="9525">
+                <a14:hiddenLine xmlns="" xmlns:a14="http://schemas.microsoft.com/office/drawing/2010/main" w="9525">
                   <a:solidFill>
                     <a:srgbClr val="000000"/>
                   </a:solidFill>
@@ -2882,7 +2882,7 @@
             </a:ln>
             <a:extLst>
               <a:ext uri="{91240B29-F687-4f45-9708-019B960494DF}">
-                <a14:hiddenLine xmlns:a14="http://schemas.microsoft.com/office/drawing/2010/main" xmlns="" w="9525">
+                <a14:hiddenLine xmlns="" xmlns:a14="http://schemas.microsoft.com/office/drawing/2010/main" w="9525">
                   <a:solidFill>
                     <a:srgbClr val="000000"/>
                   </a:solidFill>
@@ -2944,7 +2944,7 @@
             </a:ln>
             <a:extLst>
               <a:ext uri="{91240B29-F687-4f45-9708-019B960494DF}">
-                <a14:hiddenLine xmlns:a14="http://schemas.microsoft.com/office/drawing/2010/main" xmlns="" w="9525">
+                <a14:hiddenLine xmlns="" xmlns:a14="http://schemas.microsoft.com/office/drawing/2010/main" w="9525">
                   <a:solidFill>
                     <a:srgbClr val="000000"/>
                   </a:solidFill>
@@ -3034,7 +3034,7 @@
             </a:ln>
             <a:extLst>
               <a:ext uri="{91240B29-F687-4f45-9708-019B960494DF}">
-                <a14:hiddenLine xmlns:a14="http://schemas.microsoft.com/office/drawing/2010/main" xmlns="" w="9525">
+                <a14:hiddenLine xmlns="" xmlns:a14="http://schemas.microsoft.com/office/drawing/2010/main" w="9525">
                   <a:solidFill>
                     <a:srgbClr val="000000"/>
                   </a:solidFill>
@@ -3096,7 +3096,7 @@
             </a:ln>
             <a:extLst>
               <a:ext uri="{91240B29-F687-4f45-9708-019B960494DF}">
-                <a14:hiddenLine xmlns:a14="http://schemas.microsoft.com/office/drawing/2010/main" xmlns="" w="9525">
+                <a14:hiddenLine xmlns="" xmlns:a14="http://schemas.microsoft.com/office/drawing/2010/main" w="9525">
                   <a:solidFill>
                     <a:srgbClr val="000000"/>
                   </a:solidFill>
@@ -3186,7 +3186,7 @@
             </a:ln>
             <a:extLst>
               <a:ext uri="{91240B29-F687-4f45-9708-019B960494DF}">
-                <a14:hiddenLine xmlns:a14="http://schemas.microsoft.com/office/drawing/2010/main" xmlns="" w="9525">
+                <a14:hiddenLine xmlns="" xmlns:a14="http://schemas.microsoft.com/office/drawing/2010/main" w="9525">
                   <a:solidFill>
                     <a:srgbClr val="000000"/>
                   </a:solidFill>
@@ -3220,7 +3220,7 @@
             </a:ln>
             <a:extLst>
               <a:ext uri="{91240B29-F687-4f45-9708-019B960494DF}">
-                <a14:hiddenLine xmlns:a14="http://schemas.microsoft.com/office/drawing/2010/main" xmlns="" w="9525">
+                <a14:hiddenLine xmlns="" xmlns:a14="http://schemas.microsoft.com/office/drawing/2010/main" w="9525">
                   <a:solidFill>
                     <a:srgbClr val="000000"/>
                   </a:solidFill>
@@ -3285,7 +3285,7 @@
             </a:ln>
             <a:extLst>
               <a:ext uri="{91240B29-F687-4f45-9708-019B960494DF}">
-                <a14:hiddenLine xmlns:a14="http://schemas.microsoft.com/office/drawing/2010/main" xmlns="" w="9525">
+                <a14:hiddenLine xmlns="" xmlns:a14="http://schemas.microsoft.com/office/drawing/2010/main" w="9525">
                   <a:solidFill>
                     <a:srgbClr val="000000"/>
                   </a:solidFill>
@@ -3375,7 +3375,7 @@
             </a:ln>
             <a:extLst>
               <a:ext uri="{91240B29-F687-4f45-9708-019B960494DF}">
-                <a14:hiddenLine xmlns:a14="http://schemas.microsoft.com/office/drawing/2010/main" xmlns="" w="9525">
+                <a14:hiddenLine xmlns="" xmlns:a14="http://schemas.microsoft.com/office/drawing/2010/main" w="9525">
                   <a:solidFill>
                     <a:srgbClr val="000000"/>
                   </a:solidFill>
@@ -3437,7 +3437,7 @@
             </a:ln>
             <a:extLst>
               <a:ext uri="{91240B29-F687-4f45-9708-019B960494DF}">
-                <a14:hiddenLine xmlns:a14="http://schemas.microsoft.com/office/drawing/2010/main" xmlns="" w="9525">
+                <a14:hiddenLine xmlns="" xmlns:a14="http://schemas.microsoft.com/office/drawing/2010/main" w="9525">
                   <a:solidFill>
                     <a:srgbClr val="000000"/>
                   </a:solidFill>
@@ -3527,7 +3527,7 @@
             </a:ln>
             <a:extLst>
               <a:ext uri="{91240B29-F687-4f45-9708-019B960494DF}">
-                <a14:hiddenLine xmlns:a14="http://schemas.microsoft.com/office/drawing/2010/main" xmlns="" w="9525">
+                <a14:hiddenLine xmlns="" xmlns:a14="http://schemas.microsoft.com/office/drawing/2010/main" w="9525">
                   <a:solidFill>
                     <a:srgbClr val="000000"/>
                   </a:solidFill>
@@ -3617,7 +3617,7 @@
             </a:ln>
             <a:extLst>
               <a:ext uri="{91240B29-F687-4f45-9708-019B960494DF}">
-                <a14:hiddenLine xmlns:a14="http://schemas.microsoft.com/office/drawing/2010/main" xmlns="" w="9525">
+                <a14:hiddenLine xmlns="" xmlns:a14="http://schemas.microsoft.com/office/drawing/2010/main" w="9525">
                   <a:solidFill>
                     <a:srgbClr val="000000"/>
                   </a:solidFill>
@@ -3682,7 +3682,7 @@
             </a:ln>
             <a:extLst>
               <a:ext uri="{91240B29-F687-4f45-9708-019B960494DF}">
-                <a14:hiddenLine xmlns:a14="http://schemas.microsoft.com/office/drawing/2010/main" xmlns="" w="9525">
+                <a14:hiddenLine xmlns="" xmlns:a14="http://schemas.microsoft.com/office/drawing/2010/main" w="9525">
                   <a:solidFill>
                     <a:srgbClr val="000000"/>
                   </a:solidFill>
@@ -3744,7 +3744,7 @@
             </a:ln>
             <a:extLst>
               <a:ext uri="{91240B29-F687-4f45-9708-019B960494DF}">
-                <a14:hiddenLine xmlns:a14="http://schemas.microsoft.com/office/drawing/2010/main" xmlns="" w="9525">
+                <a14:hiddenLine xmlns="" xmlns:a14="http://schemas.microsoft.com/office/drawing/2010/main" w="9525">
                   <a:solidFill>
                     <a:srgbClr val="000000"/>
                   </a:solidFill>
@@ -3834,7 +3834,7 @@
             </a:ln>
             <a:extLst>
               <a:ext uri="{91240B29-F687-4f45-9708-019B960494DF}">
-                <a14:hiddenLine xmlns:a14="http://schemas.microsoft.com/office/drawing/2010/main" xmlns="" w="9525">
+                <a14:hiddenLine xmlns="" xmlns:a14="http://schemas.microsoft.com/office/drawing/2010/main" w="9525">
                   <a:solidFill>
                     <a:srgbClr val="000000"/>
                   </a:solidFill>
@@ -3924,7 +3924,7 @@
             </a:ln>
             <a:extLst>
               <a:ext uri="{91240B29-F687-4f45-9708-019B960494DF}">
-                <a14:hiddenLine xmlns:a14="http://schemas.microsoft.com/office/drawing/2010/main" xmlns="" w="9525">
+                <a14:hiddenLine xmlns="" xmlns:a14="http://schemas.microsoft.com/office/drawing/2010/main" w="9525">
                   <a:solidFill>
                     <a:srgbClr val="000000"/>
                   </a:solidFill>
@@ -3986,7 +3986,7 @@
             </a:ln>
             <a:extLst>
               <a:ext uri="{91240B29-F687-4f45-9708-019B960494DF}">
-                <a14:hiddenLine xmlns:a14="http://schemas.microsoft.com/office/drawing/2010/main" xmlns="" w="9525">
+                <a14:hiddenLine xmlns="" xmlns:a14="http://schemas.microsoft.com/office/drawing/2010/main" w="9525">
                   <a:solidFill>
                     <a:srgbClr val="000000"/>
                   </a:solidFill>
@@ -4106,7 +4106,7 @@
             </a:ln>
             <a:extLst>
               <a:ext uri="{91240B29-F687-4f45-9708-019B960494DF}">
-                <a14:hiddenLine xmlns:a14="http://schemas.microsoft.com/office/drawing/2010/main" xmlns="" w="9525">
+                <a14:hiddenLine xmlns="" xmlns:a14="http://schemas.microsoft.com/office/drawing/2010/main" w="9525">
                   <a:solidFill>
                     <a:srgbClr val="000000"/>
                   </a:solidFill>
@@ -4174,7 +4174,7 @@
             </a:ln>
             <a:extLst>
               <a:ext uri="{91240B29-F687-4f45-9708-019B960494DF}">
-                <a14:hiddenLine xmlns:a14="http://schemas.microsoft.com/office/drawing/2010/main" xmlns="" w="9525">
+                <a14:hiddenLine xmlns="" xmlns:a14="http://schemas.microsoft.com/office/drawing/2010/main" w="9525">
                   <a:solidFill>
                     <a:srgbClr val="000000"/>
                   </a:solidFill>
@@ -4264,7 +4264,7 @@
             </a:ln>
             <a:extLst>
               <a:ext uri="{91240B29-F687-4f45-9708-019B960494DF}">
-                <a14:hiddenLine xmlns:a14="http://schemas.microsoft.com/office/drawing/2010/main" xmlns="" w="9525">
+                <a14:hiddenLine xmlns="" xmlns:a14="http://schemas.microsoft.com/office/drawing/2010/main" w="9525">
                   <a:solidFill>
                     <a:srgbClr val="000000"/>
                   </a:solidFill>
@@ -4404,7 +4404,7 @@
           <a:p>
             <a:fld id="{7E27CE5D-9885-4A88-9927-7F3F17028AEE}" type="datetimeFigureOut">
               <a:rPr lang="nl-NL" smtClean="0"/>
-              <a:t>24-10-2022</a:t>
+              <a:t>25-10-2022</a:t>
             </a:fld>
             <a:endParaRPr lang="nl-NL"/>
           </a:p>
@@ -4671,7 +4671,7 @@
           <a:p>
             <a:fld id="{7E27CE5D-9885-4A88-9927-7F3F17028AEE}" type="datetimeFigureOut">
               <a:rPr lang="nl-NL" smtClean="0"/>
-              <a:t>24-10-2022</a:t>
+              <a:t>25-10-2022</a:t>
             </a:fld>
             <a:endParaRPr lang="nl-NL"/>
           </a:p>
@@ -4867,7 +4867,7 @@
           <a:p>
             <a:fld id="{7E27CE5D-9885-4A88-9927-7F3F17028AEE}" type="datetimeFigureOut">
               <a:rPr lang="nl-NL" smtClean="0"/>
-              <a:t>24-10-2022</a:t>
+              <a:t>25-10-2022</a:t>
             </a:fld>
             <a:endParaRPr lang="nl-NL"/>
           </a:p>
@@ -5130,7 +5130,7 @@
           <a:p>
             <a:fld id="{7E27CE5D-9885-4A88-9927-7F3F17028AEE}" type="datetimeFigureOut">
               <a:rPr lang="nl-NL" smtClean="0"/>
-              <a:t>24-10-2022</a:t>
+              <a:t>25-10-2022</a:t>
             </a:fld>
             <a:endParaRPr lang="nl-NL"/>
           </a:p>
@@ -5564,7 +5564,7 @@
           <a:p>
             <a:fld id="{7E27CE5D-9885-4A88-9927-7F3F17028AEE}" type="datetimeFigureOut">
               <a:rPr lang="nl-NL" smtClean="0"/>
-              <a:t>24-10-2022</a:t>
+              <a:t>25-10-2022</a:t>
             </a:fld>
             <a:endParaRPr lang="nl-NL"/>
           </a:p>
@@ -6110,7 +6110,7 @@
           <a:p>
             <a:fld id="{7E27CE5D-9885-4A88-9927-7F3F17028AEE}" type="datetimeFigureOut">
               <a:rPr lang="nl-NL" smtClean="0"/>
-              <a:t>24-10-2022</a:t>
+              <a:t>25-10-2022</a:t>
             </a:fld>
             <a:endParaRPr lang="nl-NL"/>
           </a:p>
@@ -6830,7 +6830,7 @@
           <a:p>
             <a:fld id="{7E27CE5D-9885-4A88-9927-7F3F17028AEE}" type="datetimeFigureOut">
               <a:rPr lang="nl-NL" smtClean="0"/>
-              <a:t>24-10-2022</a:t>
+              <a:t>25-10-2022</a:t>
             </a:fld>
             <a:endParaRPr lang="nl-NL"/>
           </a:p>
@@ -7000,7 +7000,7 @@
           <a:p>
             <a:fld id="{7E27CE5D-9885-4A88-9927-7F3F17028AEE}" type="datetimeFigureOut">
               <a:rPr lang="nl-NL" smtClean="0"/>
-              <a:t>24-10-2022</a:t>
+              <a:t>25-10-2022</a:t>
             </a:fld>
             <a:endParaRPr lang="nl-NL"/>
           </a:p>
@@ -7180,7 +7180,7 @@
           <a:p>
             <a:fld id="{7E27CE5D-9885-4A88-9927-7F3F17028AEE}" type="datetimeFigureOut">
               <a:rPr lang="nl-NL" smtClean="0"/>
-              <a:t>24-10-2022</a:t>
+              <a:t>25-10-2022</a:t>
             </a:fld>
             <a:endParaRPr lang="nl-NL"/>
           </a:p>
@@ -7350,7 +7350,7 @@
           <a:p>
             <a:fld id="{7E27CE5D-9885-4A88-9927-7F3F17028AEE}" type="datetimeFigureOut">
               <a:rPr lang="nl-NL" smtClean="0"/>
-              <a:t>24-10-2022</a:t>
+              <a:t>25-10-2022</a:t>
             </a:fld>
             <a:endParaRPr lang="nl-NL"/>
           </a:p>
@@ -7600,7 +7600,7 @@
           <a:p>
             <a:fld id="{7E27CE5D-9885-4A88-9927-7F3F17028AEE}" type="datetimeFigureOut">
               <a:rPr lang="nl-NL" smtClean="0"/>
-              <a:t>24-10-2022</a:t>
+              <a:t>25-10-2022</a:t>
             </a:fld>
             <a:endParaRPr lang="nl-NL"/>
           </a:p>
@@ -7832,7 +7832,7 @@
           <a:p>
             <a:fld id="{7E27CE5D-9885-4A88-9927-7F3F17028AEE}" type="datetimeFigureOut">
               <a:rPr lang="nl-NL" smtClean="0"/>
-              <a:t>24-10-2022</a:t>
+              <a:t>25-10-2022</a:t>
             </a:fld>
             <a:endParaRPr lang="nl-NL"/>
           </a:p>
@@ -8213,7 +8213,7 @@
           <a:p>
             <a:fld id="{7E27CE5D-9885-4A88-9927-7F3F17028AEE}" type="datetimeFigureOut">
               <a:rPr lang="nl-NL" smtClean="0"/>
-              <a:t>24-10-2022</a:t>
+              <a:t>25-10-2022</a:t>
             </a:fld>
             <a:endParaRPr lang="nl-NL"/>
           </a:p>
@@ -8331,7 +8331,7 @@
           <a:p>
             <a:fld id="{7E27CE5D-9885-4A88-9927-7F3F17028AEE}" type="datetimeFigureOut">
               <a:rPr lang="nl-NL" smtClean="0"/>
-              <a:t>24-10-2022</a:t>
+              <a:t>25-10-2022</a:t>
             </a:fld>
             <a:endParaRPr lang="nl-NL"/>
           </a:p>
@@ -8426,7 +8426,7 @@
           <a:p>
             <a:fld id="{7E27CE5D-9885-4A88-9927-7F3F17028AEE}" type="datetimeFigureOut">
               <a:rPr lang="nl-NL" smtClean="0"/>
-              <a:t>24-10-2022</a:t>
+              <a:t>25-10-2022</a:t>
             </a:fld>
             <a:endParaRPr lang="nl-NL"/>
           </a:p>
@@ -8675,7 +8675,7 @@
           <a:p>
             <a:fld id="{7E27CE5D-9885-4A88-9927-7F3F17028AEE}" type="datetimeFigureOut">
               <a:rPr lang="nl-NL" smtClean="0"/>
-              <a:t>24-10-2022</a:t>
+              <a:t>25-10-2022</a:t>
             </a:fld>
             <a:endParaRPr lang="nl-NL"/>
           </a:p>
@@ -8955,7 +8955,7 @@
           <a:p>
             <a:fld id="{7E27CE5D-9885-4A88-9927-7F3F17028AEE}" type="datetimeFigureOut">
               <a:rPr lang="nl-NL" smtClean="0"/>
-              <a:t>24-10-2022</a:t>
+              <a:t>25-10-2022</a:t>
             </a:fld>
             <a:endParaRPr lang="nl-NL"/>
           </a:p>
@@ -9071,7 +9071,7 @@
           <a:noFill/>
           <a:extLst>
             <a:ext uri="{909E8E84-426E-40dd-AFC4-6F175D3DCCD1}">
-              <a14:hiddenFill xmlns:a14="http://schemas.microsoft.com/office/drawing/2010/main" xmlns="">
+              <a14:hiddenFill xmlns="" xmlns:a14="http://schemas.microsoft.com/office/drawing/2010/main">
                 <a:solidFill>
                   <a:srgbClr val="FFFFFF"/>
                 </a:solidFill>
@@ -9145,7 +9145,7 @@
               </a:ln>
               <a:extLst>
                 <a:ext uri="{91240B29-F687-4f45-9708-019B960494DF}">
-                  <a14:hiddenLine xmlns:a14="http://schemas.microsoft.com/office/drawing/2010/main" xmlns="" w="9525">
+                  <a14:hiddenLine xmlns="" xmlns:a14="http://schemas.microsoft.com/office/drawing/2010/main" w="9525">
                     <a:solidFill>
                       <a:srgbClr val="000000"/>
                     </a:solidFill>
@@ -9235,7 +9235,7 @@
               </a:ln>
               <a:extLst>
                 <a:ext uri="{91240B29-F687-4f45-9708-019B960494DF}">
-                  <a14:hiddenLine xmlns:a14="http://schemas.microsoft.com/office/drawing/2010/main" xmlns="" w="9525">
+                  <a14:hiddenLine xmlns="" xmlns:a14="http://schemas.microsoft.com/office/drawing/2010/main" w="9525">
                     <a:solidFill>
                       <a:srgbClr val="000000"/>
                     </a:solidFill>
@@ -9325,7 +9325,7 @@
               </a:ln>
               <a:extLst>
                 <a:ext uri="{91240B29-F687-4f45-9708-019B960494DF}">
-                  <a14:hiddenLine xmlns:a14="http://schemas.microsoft.com/office/drawing/2010/main" xmlns="" w="9525">
+                  <a14:hiddenLine xmlns="" xmlns:a14="http://schemas.microsoft.com/office/drawing/2010/main" w="9525">
                     <a:solidFill>
                       <a:srgbClr val="000000"/>
                     </a:solidFill>
@@ -9387,7 +9387,7 @@
               </a:ln>
               <a:extLst>
                 <a:ext uri="{91240B29-F687-4f45-9708-019B960494DF}">
-                  <a14:hiddenLine xmlns:a14="http://schemas.microsoft.com/office/drawing/2010/main" xmlns="" w="9525">
+                  <a14:hiddenLine xmlns="" xmlns:a14="http://schemas.microsoft.com/office/drawing/2010/main" w="9525">
                     <a:solidFill>
                       <a:srgbClr val="000000"/>
                     </a:solidFill>
@@ -9477,7 +9477,7 @@
               </a:ln>
               <a:extLst>
                 <a:ext uri="{91240B29-F687-4f45-9708-019B960494DF}">
-                  <a14:hiddenLine xmlns:a14="http://schemas.microsoft.com/office/drawing/2010/main" xmlns="" w="9525">
+                  <a14:hiddenLine xmlns="" xmlns:a14="http://schemas.microsoft.com/office/drawing/2010/main" w="9525">
                     <a:solidFill>
                       <a:srgbClr val="000000"/>
                     </a:solidFill>
@@ -9539,7 +9539,7 @@
               </a:ln>
               <a:extLst>
                 <a:ext uri="{91240B29-F687-4f45-9708-019B960494DF}">
-                  <a14:hiddenLine xmlns:a14="http://schemas.microsoft.com/office/drawing/2010/main" xmlns="" w="9525">
+                  <a14:hiddenLine xmlns="" xmlns:a14="http://schemas.microsoft.com/office/drawing/2010/main" w="9525">
                     <a:solidFill>
                       <a:srgbClr val="000000"/>
                     </a:solidFill>
@@ -9601,7 +9601,7 @@
               </a:ln>
               <a:extLst>
                 <a:ext uri="{91240B29-F687-4f45-9708-019B960494DF}">
-                  <a14:hiddenLine xmlns:a14="http://schemas.microsoft.com/office/drawing/2010/main" xmlns="" w="9525">
+                  <a14:hiddenLine xmlns="" xmlns:a14="http://schemas.microsoft.com/office/drawing/2010/main" w="9525">
                     <a:solidFill>
                       <a:srgbClr val="000000"/>
                     </a:solidFill>
@@ -9691,7 +9691,7 @@
               </a:ln>
               <a:extLst>
                 <a:ext uri="{91240B29-F687-4f45-9708-019B960494DF}">
-                  <a14:hiddenLine xmlns:a14="http://schemas.microsoft.com/office/drawing/2010/main" xmlns="" w="9525">
+                  <a14:hiddenLine xmlns="" xmlns:a14="http://schemas.microsoft.com/office/drawing/2010/main" w="9525">
                     <a:solidFill>
                       <a:srgbClr val="000000"/>
                     </a:solidFill>
@@ -9781,7 +9781,7 @@
               </a:ln>
               <a:extLst>
                 <a:ext uri="{91240B29-F687-4f45-9708-019B960494DF}">
-                  <a14:hiddenLine xmlns:a14="http://schemas.microsoft.com/office/drawing/2010/main" xmlns="" w="9525">
+                  <a14:hiddenLine xmlns="" xmlns:a14="http://schemas.microsoft.com/office/drawing/2010/main" w="9525">
                     <a:solidFill>
                       <a:srgbClr val="000000"/>
                     </a:solidFill>
@@ -9843,7 +9843,7 @@
               </a:ln>
               <a:extLst>
                 <a:ext uri="{91240B29-F687-4f45-9708-019B960494DF}">
-                  <a14:hiddenLine xmlns:a14="http://schemas.microsoft.com/office/drawing/2010/main" xmlns="" w="9525">
+                  <a14:hiddenLine xmlns="" xmlns:a14="http://schemas.microsoft.com/office/drawing/2010/main" w="9525">
                     <a:solidFill>
                       <a:srgbClr val="000000"/>
                     </a:solidFill>
@@ -9953,7 +9953,7 @@
               </a:ln>
               <a:extLst>
                 <a:ext uri="{91240B29-F687-4f45-9708-019B960494DF}">
-                  <a14:hiddenLine xmlns:a14="http://schemas.microsoft.com/office/drawing/2010/main" xmlns="" w="9525">
+                  <a14:hiddenLine xmlns="" xmlns:a14="http://schemas.microsoft.com/office/drawing/2010/main" w="9525">
                     <a:solidFill>
                       <a:srgbClr val="000000"/>
                     </a:solidFill>
@@ -10037,7 +10037,7 @@
               </a:ln>
               <a:extLst>
                 <a:ext uri="{91240B29-F687-4f45-9708-019B960494DF}">
-                  <a14:hiddenLine xmlns:a14="http://schemas.microsoft.com/office/drawing/2010/main" xmlns="" w="9525">
+                  <a14:hiddenLine xmlns="" xmlns:a14="http://schemas.microsoft.com/office/drawing/2010/main" w="9525">
                     <a:solidFill>
                       <a:srgbClr val="000000"/>
                     </a:solidFill>
@@ -10099,7 +10099,7 @@
               </a:ln>
               <a:extLst>
                 <a:ext uri="{91240B29-F687-4f45-9708-019B960494DF}">
-                  <a14:hiddenLine xmlns:a14="http://schemas.microsoft.com/office/drawing/2010/main" xmlns="" w="9525">
+                  <a14:hiddenLine xmlns="" xmlns:a14="http://schemas.microsoft.com/office/drawing/2010/main" w="9525">
                     <a:solidFill>
                       <a:srgbClr val="000000"/>
                     </a:solidFill>
@@ -10161,7 +10161,7 @@
               </a:ln>
               <a:extLst>
                 <a:ext uri="{91240B29-F687-4f45-9708-019B960494DF}">
-                  <a14:hiddenLine xmlns:a14="http://schemas.microsoft.com/office/drawing/2010/main" xmlns="" w="9525">
+                  <a14:hiddenLine xmlns="" xmlns:a14="http://schemas.microsoft.com/office/drawing/2010/main" w="9525">
                     <a:solidFill>
                       <a:srgbClr val="000000"/>
                     </a:solidFill>
@@ -10251,7 +10251,7 @@
               </a:ln>
               <a:extLst>
                 <a:ext uri="{91240B29-F687-4f45-9708-019B960494DF}">
-                  <a14:hiddenLine xmlns:a14="http://schemas.microsoft.com/office/drawing/2010/main" xmlns="" w="9525">
+                  <a14:hiddenLine xmlns="" xmlns:a14="http://schemas.microsoft.com/office/drawing/2010/main" w="9525">
                     <a:solidFill>
                       <a:srgbClr val="000000"/>
                     </a:solidFill>
@@ -10285,7 +10285,7 @@
               </a:ln>
               <a:extLst>
                 <a:ext uri="{91240B29-F687-4f45-9708-019B960494DF}">
-                  <a14:hiddenLine xmlns:a14="http://schemas.microsoft.com/office/drawing/2010/main" xmlns="" w="9525">
+                  <a14:hiddenLine xmlns="" xmlns:a14="http://schemas.microsoft.com/office/drawing/2010/main" w="9525">
                     <a:solidFill>
                       <a:srgbClr val="000000"/>
                     </a:solidFill>
@@ -10350,7 +10350,7 @@
               </a:ln>
               <a:extLst>
                 <a:ext uri="{91240B29-F687-4f45-9708-019B960494DF}">
-                  <a14:hiddenLine xmlns:a14="http://schemas.microsoft.com/office/drawing/2010/main" xmlns="" w="9525">
+                  <a14:hiddenLine xmlns="" xmlns:a14="http://schemas.microsoft.com/office/drawing/2010/main" w="9525">
                     <a:solidFill>
                       <a:srgbClr val="000000"/>
                     </a:solidFill>
@@ -10440,7 +10440,7 @@
               </a:ln>
               <a:extLst>
                 <a:ext uri="{91240B29-F687-4f45-9708-019B960494DF}">
-                  <a14:hiddenLine xmlns:a14="http://schemas.microsoft.com/office/drawing/2010/main" xmlns="" w="9525">
+                  <a14:hiddenLine xmlns="" xmlns:a14="http://schemas.microsoft.com/office/drawing/2010/main" w="9525">
                     <a:solidFill>
                       <a:srgbClr val="000000"/>
                     </a:solidFill>
@@ -10502,7 +10502,7 @@
               </a:ln>
               <a:extLst>
                 <a:ext uri="{91240B29-F687-4f45-9708-019B960494DF}">
-                  <a14:hiddenLine xmlns:a14="http://schemas.microsoft.com/office/drawing/2010/main" xmlns="" w="9525">
+                  <a14:hiddenLine xmlns="" xmlns:a14="http://schemas.microsoft.com/office/drawing/2010/main" w="9525">
                     <a:solidFill>
                       <a:srgbClr val="000000"/>
                     </a:solidFill>
@@ -10592,7 +10592,7 @@
               </a:ln>
               <a:extLst>
                 <a:ext uri="{91240B29-F687-4f45-9708-019B960494DF}">
-                  <a14:hiddenLine xmlns:a14="http://schemas.microsoft.com/office/drawing/2010/main" xmlns="" w="9525">
+                  <a14:hiddenLine xmlns="" xmlns:a14="http://schemas.microsoft.com/office/drawing/2010/main" w="9525">
                     <a:solidFill>
                       <a:srgbClr val="000000"/>
                     </a:solidFill>
@@ -10657,7 +10657,7 @@
               </a:ln>
               <a:extLst>
                 <a:ext uri="{91240B29-F687-4f45-9708-019B960494DF}">
-                  <a14:hiddenLine xmlns:a14="http://schemas.microsoft.com/office/drawing/2010/main" xmlns="" w="9525">
+                  <a14:hiddenLine xmlns="" xmlns:a14="http://schemas.microsoft.com/office/drawing/2010/main" w="9525">
                     <a:solidFill>
                       <a:srgbClr val="000000"/>
                     </a:solidFill>
@@ -10719,7 +10719,7 @@
               </a:ln>
               <a:extLst>
                 <a:ext uri="{91240B29-F687-4f45-9708-019B960494DF}">
-                  <a14:hiddenLine xmlns:a14="http://schemas.microsoft.com/office/drawing/2010/main" xmlns="" w="9525">
+                  <a14:hiddenLine xmlns="" xmlns:a14="http://schemas.microsoft.com/office/drawing/2010/main" w="9525">
                     <a:solidFill>
                       <a:srgbClr val="000000"/>
                     </a:solidFill>
@@ -10809,7 +10809,7 @@
               </a:ln>
               <a:extLst>
                 <a:ext uri="{91240B29-F687-4f45-9708-019B960494DF}">
-                  <a14:hiddenLine xmlns:a14="http://schemas.microsoft.com/office/drawing/2010/main" xmlns="" w="9525">
+                  <a14:hiddenLine xmlns="" xmlns:a14="http://schemas.microsoft.com/office/drawing/2010/main" w="9525">
                     <a:solidFill>
                       <a:srgbClr val="000000"/>
                     </a:solidFill>
@@ -10899,7 +10899,7 @@
               </a:ln>
               <a:extLst>
                 <a:ext uri="{91240B29-F687-4f45-9708-019B960494DF}">
-                  <a14:hiddenLine xmlns:a14="http://schemas.microsoft.com/office/drawing/2010/main" xmlns="" w="9525">
+                  <a14:hiddenLine xmlns="" xmlns:a14="http://schemas.microsoft.com/office/drawing/2010/main" w="9525">
                     <a:solidFill>
                       <a:srgbClr val="000000"/>
                     </a:solidFill>
@@ -10964,7 +10964,7 @@
               </a:ln>
               <a:extLst>
                 <a:ext uri="{91240B29-F687-4f45-9708-019B960494DF}">
-                  <a14:hiddenLine xmlns:a14="http://schemas.microsoft.com/office/drawing/2010/main" xmlns="" w="9525">
+                  <a14:hiddenLine xmlns="" xmlns:a14="http://schemas.microsoft.com/office/drawing/2010/main" w="9525">
                     <a:solidFill>
                       <a:srgbClr val="000000"/>
                     </a:solidFill>
@@ -11084,7 +11084,7 @@
               </a:ln>
               <a:extLst>
                 <a:ext uri="{91240B29-F687-4f45-9708-019B960494DF}">
-                  <a14:hiddenLine xmlns:a14="http://schemas.microsoft.com/office/drawing/2010/main" xmlns="" w="9525">
+                  <a14:hiddenLine xmlns="" xmlns:a14="http://schemas.microsoft.com/office/drawing/2010/main" w="9525">
                     <a:solidFill>
                       <a:srgbClr val="000000"/>
                     </a:solidFill>
@@ -11182,7 +11182,7 @@
               </a:ln>
               <a:extLst>
                 <a:ext uri="{91240B29-F687-4f45-9708-019B960494DF}">
-                  <a14:hiddenLine xmlns:a14="http://schemas.microsoft.com/office/drawing/2010/main" xmlns="" w="9525">
+                  <a14:hiddenLine xmlns="" xmlns:a14="http://schemas.microsoft.com/office/drawing/2010/main" w="9525">
                     <a:solidFill>
                       <a:srgbClr val="000000"/>
                     </a:solidFill>
@@ -11297,7 +11297,7 @@
               </a:ln>
               <a:extLst>
                 <a:ext uri="{91240B29-F687-4f45-9708-019B960494DF}">
-                  <a14:hiddenLine xmlns:a14="http://schemas.microsoft.com/office/drawing/2010/main" xmlns="" w="9525">
+                  <a14:hiddenLine xmlns="" xmlns:a14="http://schemas.microsoft.com/office/drawing/2010/main" w="9525">
                     <a:solidFill>
                       <a:srgbClr val="000000"/>
                     </a:solidFill>
@@ -11387,7 +11387,7 @@
               </a:ln>
               <a:extLst>
                 <a:ext uri="{91240B29-F687-4f45-9708-019B960494DF}">
-                  <a14:hiddenLine xmlns:a14="http://schemas.microsoft.com/office/drawing/2010/main" xmlns="" w="9525">
+                  <a14:hiddenLine xmlns="" xmlns:a14="http://schemas.microsoft.com/office/drawing/2010/main" w="9525">
                     <a:solidFill>
                       <a:srgbClr val="000000"/>
                     </a:solidFill>
@@ -11452,7 +11452,7 @@
               </a:ln>
               <a:extLst>
                 <a:ext uri="{91240B29-F687-4f45-9708-019B960494DF}">
-                  <a14:hiddenLine xmlns:a14="http://schemas.microsoft.com/office/drawing/2010/main" xmlns="" w="9525">
+                  <a14:hiddenLine xmlns="" xmlns:a14="http://schemas.microsoft.com/office/drawing/2010/main" w="9525">
                     <a:solidFill>
                       <a:srgbClr val="000000"/>
                     </a:solidFill>
@@ -11542,7 +11542,7 @@
               </a:ln>
               <a:extLst>
                 <a:ext uri="{91240B29-F687-4f45-9708-019B960494DF}">
-                  <a14:hiddenLine xmlns:a14="http://schemas.microsoft.com/office/drawing/2010/main" xmlns="" w="9525">
+                  <a14:hiddenLine xmlns="" xmlns:a14="http://schemas.microsoft.com/office/drawing/2010/main" w="9525">
                     <a:solidFill>
                       <a:srgbClr val="000000"/>
                     </a:solidFill>
@@ -11610,7 +11610,7 @@
               </a:ln>
               <a:extLst>
                 <a:ext uri="{91240B29-F687-4f45-9708-019B960494DF}">
-                  <a14:hiddenLine xmlns:a14="http://schemas.microsoft.com/office/drawing/2010/main" xmlns="" w="9525">
+                  <a14:hiddenLine xmlns="" xmlns:a14="http://schemas.microsoft.com/office/drawing/2010/main" w="9525">
                     <a:solidFill>
                       <a:srgbClr val="000000"/>
                     </a:solidFill>
@@ -11700,7 +11700,7 @@
               </a:ln>
               <a:extLst>
                 <a:ext uri="{91240B29-F687-4f45-9708-019B960494DF}">
-                  <a14:hiddenLine xmlns:a14="http://schemas.microsoft.com/office/drawing/2010/main" xmlns="" w="9525">
+                  <a14:hiddenLine xmlns="" xmlns:a14="http://schemas.microsoft.com/office/drawing/2010/main" w="9525">
                     <a:solidFill>
                       <a:srgbClr val="000000"/>
                     </a:solidFill>
@@ -11768,7 +11768,7 @@
               </a:ln>
               <a:extLst>
                 <a:ext uri="{91240B29-F687-4f45-9708-019B960494DF}">
-                  <a14:hiddenLine xmlns:a14="http://schemas.microsoft.com/office/drawing/2010/main" xmlns="" w="9525">
+                  <a14:hiddenLine xmlns="" xmlns:a14="http://schemas.microsoft.com/office/drawing/2010/main" w="9525">
                     <a:solidFill>
                       <a:srgbClr val="000000"/>
                     </a:solidFill>
@@ -11858,7 +11858,7 @@
               </a:ln>
               <a:extLst>
                 <a:ext uri="{91240B29-F687-4f45-9708-019B960494DF}">
-                  <a14:hiddenLine xmlns:a14="http://schemas.microsoft.com/office/drawing/2010/main" xmlns="" w="9525">
+                  <a14:hiddenLine xmlns="" xmlns:a14="http://schemas.microsoft.com/office/drawing/2010/main" w="9525">
                     <a:solidFill>
                       <a:srgbClr val="000000"/>
                     </a:solidFill>
@@ -11892,7 +11892,7 @@
               </a:ln>
               <a:extLst>
                 <a:ext uri="{91240B29-F687-4f45-9708-019B960494DF}">
-                  <a14:hiddenLine xmlns:a14="http://schemas.microsoft.com/office/drawing/2010/main" xmlns="" w="9525">
+                  <a14:hiddenLine xmlns="" xmlns:a14="http://schemas.microsoft.com/office/drawing/2010/main" w="9525">
                     <a:solidFill>
                       <a:srgbClr val="000000"/>
                     </a:solidFill>
@@ -12032,7 +12032,7 @@
           <a:p>
             <a:fld id="{7E27CE5D-9885-4A88-9927-7F3F17028AEE}" type="datetimeFigureOut">
               <a:rPr lang="nl-NL" smtClean="0"/>
-              <a:t>24-10-2022</a:t>
+              <a:t>25-10-2022</a:t>
             </a:fld>
             <a:endParaRPr lang="nl-NL"/>
           </a:p>
@@ -12554,13 +12554,23 @@
         </p:nvSpPr>
         <p:spPr/>
         <p:txBody>
-          <a:bodyPr/>
+          <a:bodyPr>
+            <a:normAutofit fontScale="90000"/>
+          </a:bodyPr>
           <a:lstStyle/>
           <a:p>
             <a:r>
               <a:rPr lang="nl-NL" dirty="0"/>
-              <a:t>Werkproces: Ontwerpt software</a:t>
+              <a:t>Werkproces: </a:t>
             </a:r>
+            <a:r>
+              <a:rPr lang="nl-NL" sz="3100" dirty="0"/>
+              <a:t>Doet verbetervoorstellen voor software</a:t>
+            </a:r>
+            <a:br>
+              <a:rPr lang="nl-NL" sz="3600" dirty="0"/>
+            </a:br>
+            <a:endParaRPr lang="nl-NL" dirty="0"/>
           </a:p>
         </p:txBody>
       </p:sp>
